--- a/Andrew Napurano CS668 Capstone Project Proposal.pptx
+++ b/Andrew Napurano CS668 Capstone Project Proposal.pptx
@@ -11627,82 +11627,6 @@
             <a:endParaRPr sz="1100" dirty="0">
               <a:solidFill>
                 <a:schemeClr val="dk1"/>
-              </a:solidFill>
-              <a:latin typeface="Average"/>
-              <a:ea typeface="Average"/>
-              <a:cs typeface="Average"/>
-              <a:sym typeface="Average"/>
-            </a:endParaRPr>
-          </a:p>
-          <a:p>
-            <a:pPr marL="457200" lvl="0" indent="-298450" algn="l" rtl="0">
-              <a:lnSpc>
-                <a:spcPct val="115000"/>
-              </a:lnSpc>
-              <a:spcBef>
-                <a:spcPts val="0"/>
-              </a:spcBef>
-              <a:spcAft>
-                <a:spcPts val="0"/>
-              </a:spcAft>
-              <a:buClr>
-                <a:schemeClr val="dk1"/>
-              </a:buClr>
-              <a:buSzPts val="1100"/>
-              <a:buFont typeface="Average"/>
-              <a:buChar char="●"/>
-            </a:pPr>
-            <a:r>
-              <a:rPr lang="en" sz="1100" dirty="0">
-                <a:solidFill>
-                  <a:schemeClr val="dk1"/>
-                </a:solidFill>
-                <a:latin typeface="Average"/>
-                <a:ea typeface="Average"/>
-                <a:cs typeface="Average"/>
-                <a:sym typeface="Average"/>
-              </a:rPr>
-              <a:t> Video Presentation Link :</a:t>
-            </a:r>
-            <a:r>
-              <a:rPr lang="en" sz="1100" u="sng" dirty="0">
-                <a:solidFill>
-                  <a:schemeClr val="hlink"/>
-                </a:solidFill>
-                <a:latin typeface="Average"/>
-                <a:ea typeface="Average"/>
-                <a:cs typeface="Average"/>
-                <a:sym typeface="Average"/>
-                <a:hlinkClick r:id="rId3"/>
-              </a:rPr>
-              <a:t> https://youtu.be/LBInRcoFffs</a:t>
-            </a:r>
-            <a:endParaRPr sz="1100" dirty="0">
-              <a:solidFill>
-                <a:schemeClr val="dk1"/>
-              </a:solidFill>
-              <a:latin typeface="Average"/>
-              <a:ea typeface="Average"/>
-              <a:cs typeface="Average"/>
-              <a:sym typeface="Average"/>
-            </a:endParaRPr>
-          </a:p>
-          <a:p>
-            <a:pPr marL="0" lvl="0" indent="0" algn="l" rtl="0">
-              <a:lnSpc>
-                <a:spcPct val="115000"/>
-              </a:lnSpc>
-              <a:spcBef>
-                <a:spcPts val="1200"/>
-              </a:spcBef>
-              <a:spcAft>
-                <a:spcPts val="1200"/>
-              </a:spcAft>
-              <a:buNone/>
-            </a:pPr>
-            <a:endParaRPr sz="1600" i="1" dirty="0">
-              <a:solidFill>
-                <a:srgbClr val="CACACA"/>
               </a:solidFill>
               <a:latin typeface="Average"/>
               <a:ea typeface="Average"/>
